--- a/docs/project-recap.pptx
+++ b/docs/project-recap.pptx
@@ -5786,7 +5786,9 @@
         </p:nvSpPr>
         <p:spPr/>
         <p:txBody>
-          <a:bodyPr/>
+          <a:bodyPr>
+            <a:normAutofit lnSpcReduction="10000"/>
+          </a:bodyPr>
           <a:lstStyle/>
           <a:p>
             <a:r>
@@ -5833,6 +5835,12 @@
             <a:r>
               <a:rPr lang="en-US" dirty="0"/>
               <a:t>I want to work in HTML and XML authoring environments – a strong foundation in web technologies like JavaScript and CSS is beneficial to my career prospects</a:t>
+            </a:r>
+          </a:p>
+          <a:p>
+            <a:r>
+              <a:rPr lang="en-US" dirty="0"/>
+              <a:t>I call it Project Huebrew – because it sounds like Hebrew and that’s what all these languages looked like to me before I started the project! </a:t>
             </a:r>
           </a:p>
           <a:p>
